--- a/Build Week1.pptx
+++ b/Build Week1.pptx
@@ -14,8 +14,8 @@
     <p:sldId id="262" r:id="rId8"/>
     <p:sldId id="263" r:id="rId9"/>
     <p:sldId id="264" r:id="rId10"/>
-    <p:sldId id="266" r:id="rId11"/>
-    <p:sldId id="265" r:id="rId12"/>
+    <p:sldId id="265" r:id="rId11"/>
+    <p:sldId id="266" r:id="rId12"/>
   </p:sldIdLst>
   <p:sldSz cx="12192000" cy="6858000"/>
   <p:notesSz cx="6858000" cy="9144000"/>
@@ -114,6 +114,11 @@
       </a:defRPr>
     </a:lvl9pPr>
   </p:defaultTextStyle>
+  <p:extLst>
+    <p:ext uri="{EFAFB233-063F-42B5-8137-9DF3F51BA10A}">
+      <p15:sldGuideLst xmlns:p15="http://schemas.microsoft.com/office/powerpoint/2012/main"/>
+    </p:ext>
+  </p:extLst>
 </p:presentation>
 </file>
 
@@ -6553,253 +6558,6 @@
 </file>
 
 <file path=ppt/slides/slide10.xml><?xml version="1.0" encoding="utf-8"?>
-<p:sld xmlns:a="http://schemas.openxmlformats.org/drawingml/2006/main" xmlns:r="http://schemas.openxmlformats.org/officeDocument/2006/relationships" xmlns:p="http://schemas.openxmlformats.org/presentationml/2006/main">
-  <p:cSld>
-    <p:spTree>
-      <p:nvGrpSpPr>
-        <p:cNvPr id="1" name=""/>
-        <p:cNvGrpSpPr/>
-        <p:nvPr/>
-      </p:nvGrpSpPr>
-      <p:grpSpPr>
-        <a:xfrm>
-          <a:off x="0" y="0"/>
-          <a:ext cx="0" cy="0"/>
-          <a:chOff x="0" y="0"/>
-          <a:chExt cx="0" cy="0"/>
-        </a:xfrm>
-      </p:grpSpPr>
-      <p:sp>
-        <p:nvSpPr>
-          <p:cNvPr id="2" name="Title 1"/>
-          <p:cNvSpPr>
-            <a:spLocks noGrp="1"/>
-          </p:cNvSpPr>
-          <p:nvPr>
-            <p:ph type="title"/>
-          </p:nvPr>
-        </p:nvSpPr>
-        <p:spPr/>
-        <p:txBody>
-          <a:bodyPr/>
-          <a:lstStyle/>
-          <a:p>
-            <a:endParaRPr lang="en-GB" dirty="0"/>
-          </a:p>
-        </p:txBody>
-      </p:sp>
-      <p:sp>
-        <p:nvSpPr>
-          <p:cNvPr id="3" name="Content Placeholder 2"/>
-          <p:cNvSpPr>
-            <a:spLocks noGrp="1"/>
-          </p:cNvSpPr>
-          <p:nvPr>
-            <p:ph idx="1"/>
-          </p:nvPr>
-        </p:nvSpPr>
-        <p:spPr/>
-        <p:txBody>
-          <a:bodyPr/>
-          <a:lstStyle/>
-          <a:p>
-            <a:pPr marL="0" indent="0">
-              <a:buNone/>
-            </a:pPr>
-            <a:endParaRPr lang="en-GB" dirty="0"/>
-          </a:p>
-          <a:p>
-            <a:pPr marL="0" indent="0">
-              <a:buNone/>
-            </a:pPr>
-            <a:endParaRPr lang="en-GB" dirty="0" smtClean="0"/>
-          </a:p>
-          <a:p>
-            <a:pPr marL="0" indent="0">
-              <a:buNone/>
-            </a:pPr>
-            <a:r>
-              <a:rPr lang="en-GB" sz="2800" b="1" dirty="0" smtClean="0"/>
-              <a:t>Thank you everyone and have a great weekend!</a:t>
-            </a:r>
-            <a:endParaRPr lang="en-GB" sz="2800" b="1" dirty="0"/>
-          </a:p>
-        </p:txBody>
-      </p:sp>
-    </p:spTree>
-    <p:extLst>
-      <p:ext uri="{BB962C8B-B14F-4D97-AF65-F5344CB8AC3E}">
-        <p14:creationId xmlns:p14="http://schemas.microsoft.com/office/powerpoint/2010/main" val="4170614107"/>
-      </p:ext>
-    </p:extLst>
-  </p:cSld>
-  <p:clrMapOvr>
-    <a:masterClrMapping/>
-  </p:clrMapOvr>
-  <mc:AlternateContent xmlns:mc="http://schemas.openxmlformats.org/markup-compatibility/2006">
-    <mc:Choice xmlns:p14="http://schemas.microsoft.com/office/powerpoint/2010/main" Requires="p14">
-      <p:transition spd="med" p14:dur="700">
-        <p:fade/>
-      </p:transition>
-    </mc:Choice>
-    <mc:Fallback>
-      <p:transition spd="med">
-        <p:fade/>
-      </p:transition>
-    </mc:Fallback>
-  </mc:AlternateContent>
-  <p:timing>
-    <p:tnLst>
-      <p:par>
-        <p:cTn id="1" dur="indefinite" restart="never" nodeType="tmRoot">
-          <p:childTnLst>
-            <p:seq concurrent="1" nextAc="seek">
-              <p:cTn id="2" dur="indefinite" nodeType="mainSeq">
-                <p:childTnLst>
-                  <p:par>
-                    <p:cTn id="3" fill="hold">
-                      <p:stCondLst>
-                        <p:cond delay="indefinite"/>
-                      </p:stCondLst>
-                      <p:childTnLst>
-                        <p:par>
-                          <p:cTn id="4" fill="hold">
-                            <p:stCondLst>
-                              <p:cond delay="0"/>
-                            </p:stCondLst>
-                            <p:childTnLst>
-                              <p:par>
-                                <p:cTn id="5" presetID="42" presetClass="entr" presetSubtype="0" fill="hold" grpId="0" nodeType="clickEffect">
-                                  <p:stCondLst>
-                                    <p:cond delay="0"/>
-                                  </p:stCondLst>
-                                  <p:childTnLst>
-                                    <p:set>
-                                      <p:cBhvr>
-                                        <p:cTn id="6" dur="1" fill="hold">
-                                          <p:stCondLst>
-                                            <p:cond delay="0"/>
-                                          </p:stCondLst>
-                                        </p:cTn>
-                                        <p:tgtEl>
-                                          <p:spTgt spid="3">
-                                            <p:txEl>
-                                              <p:pRg st="2" end="2"/>
-                                            </p:txEl>
-                                          </p:spTgt>
-                                        </p:tgtEl>
-                                        <p:attrNameLst>
-                                          <p:attrName>style.visibility</p:attrName>
-                                        </p:attrNameLst>
-                                      </p:cBhvr>
-                                      <p:to>
-                                        <p:strVal val="visible"/>
-                                      </p:to>
-                                    </p:set>
-                                    <p:animEffect transition="in" filter="fade">
-                                      <p:cBhvr>
-                                        <p:cTn id="7" dur="1000"/>
-                                        <p:tgtEl>
-                                          <p:spTgt spid="3">
-                                            <p:txEl>
-                                              <p:pRg st="2" end="2"/>
-                                            </p:txEl>
-                                          </p:spTgt>
-                                        </p:tgtEl>
-                                      </p:cBhvr>
-                                    </p:animEffect>
-                                    <p:anim calcmode="lin" valueType="num">
-                                      <p:cBhvr>
-                                        <p:cTn id="8" dur="1000" fill="hold"/>
-                                        <p:tgtEl>
-                                          <p:spTgt spid="3">
-                                            <p:txEl>
-                                              <p:pRg st="2" end="2"/>
-                                            </p:txEl>
-                                          </p:spTgt>
-                                        </p:tgtEl>
-                                        <p:attrNameLst>
-                                          <p:attrName>ppt_x</p:attrName>
-                                        </p:attrNameLst>
-                                      </p:cBhvr>
-                                      <p:tavLst>
-                                        <p:tav tm="0">
-                                          <p:val>
-                                            <p:strVal val="#ppt_x"/>
-                                          </p:val>
-                                        </p:tav>
-                                        <p:tav tm="100000">
-                                          <p:val>
-                                            <p:strVal val="#ppt_x"/>
-                                          </p:val>
-                                        </p:tav>
-                                      </p:tavLst>
-                                    </p:anim>
-                                    <p:anim calcmode="lin" valueType="num">
-                                      <p:cBhvr>
-                                        <p:cTn id="9" dur="1000" fill="hold"/>
-                                        <p:tgtEl>
-                                          <p:spTgt spid="3">
-                                            <p:txEl>
-                                              <p:pRg st="2" end="2"/>
-                                            </p:txEl>
-                                          </p:spTgt>
-                                        </p:tgtEl>
-                                        <p:attrNameLst>
-                                          <p:attrName>ppt_y</p:attrName>
-                                        </p:attrNameLst>
-                                      </p:cBhvr>
-                                      <p:tavLst>
-                                        <p:tav tm="0">
-                                          <p:val>
-                                            <p:strVal val="#ppt_y+.1"/>
-                                          </p:val>
-                                        </p:tav>
-                                        <p:tav tm="100000">
-                                          <p:val>
-                                            <p:strVal val="#ppt_y"/>
-                                          </p:val>
-                                        </p:tav>
-                                      </p:tavLst>
-                                    </p:anim>
-                                  </p:childTnLst>
-                                </p:cTn>
-                              </p:par>
-                            </p:childTnLst>
-                          </p:cTn>
-                        </p:par>
-                      </p:childTnLst>
-                    </p:cTn>
-                  </p:par>
-                </p:childTnLst>
-              </p:cTn>
-              <p:prevCondLst>
-                <p:cond evt="onPrev" delay="0">
-                  <p:tgtEl>
-                    <p:sldTgt/>
-                  </p:tgtEl>
-                </p:cond>
-              </p:prevCondLst>
-              <p:nextCondLst>
-                <p:cond evt="onNext" delay="0">
-                  <p:tgtEl>
-                    <p:sldTgt/>
-                  </p:tgtEl>
-                </p:cond>
-              </p:nextCondLst>
-            </p:seq>
-          </p:childTnLst>
-        </p:cTn>
-      </p:par>
-    </p:tnLst>
-    <p:bldLst>
-      <p:bldP spid="3" grpId="0" build="p"/>
-    </p:bldLst>
-  </p:timing>
-</p:sld>
-</file>
-
-<file path=ppt/slides/slide11.xml><?xml version="1.0" encoding="utf-8"?>
 <p:sld xmlns:a="http://schemas.openxmlformats.org/drawingml/2006/main" xmlns:r="http://schemas.openxmlformats.org/officeDocument/2006/relationships" xmlns:p="http://schemas.openxmlformats.org/presentationml/2006/main">
   <p:cSld>
     <p:spTree>
@@ -7951,6 +7709,49 @@
                       </p:childTnLst>
                     </p:cTn>
                   </p:par>
+                  <p:par>
+                    <p:cTn id="60" fill="hold">
+                      <p:stCondLst>
+                        <p:cond delay="indefinite"/>
+                      </p:stCondLst>
+                      <p:childTnLst>
+                        <p:par>
+                          <p:cTn id="61" fill="hold">
+                            <p:stCondLst>
+                              <p:cond delay="0"/>
+                            </p:stCondLst>
+                            <p:childTnLst>
+                              <p:par>
+                                <p:cTn id="62" presetID="26" presetClass="path" presetSubtype="0" accel="50000" decel="50000" fill="hold" nodeType="clickEffect">
+                                  <p:stCondLst>
+                                    <p:cond delay="0"/>
+                                  </p:stCondLst>
+                                  <p:childTnLst>
+                                    <p:animMotion origin="layout" path="M 0 0 C 0 0.033 0.027 0.06 0.06 0.06 C 0.099 0.06 0.113 0.03 0.119 0.012 L 0.125 -0.012 C 0.131 -0.03 0.146 -0.06 0.19 -0.06 C 0.218 -0.06 0.25 -0.033 0.25 0 C 0.25 0.033 0.218 0.06 0.19 0.06 C 0.146 0.06 0.131 0.03 0.125 0.012 L 0.119 -0.012 C 0.113 -0.03 0.099 -0.06 0.06 -0.06 C 0.027 -0.06 0 -0.033 0 0 Z" pathEditMode="relative" ptsTypes="">
+                                      <p:cBhvr>
+                                        <p:cTn id="63" dur="2000" fill="hold"/>
+                                        <p:tgtEl>
+                                          <p:spTgt spid="3">
+                                            <p:txEl>
+                                              <p:pRg st="5" end="5"/>
+                                            </p:txEl>
+                                          </p:spTgt>
+                                        </p:tgtEl>
+                                        <p:attrNameLst>
+                                          <p:attrName>ppt_x</p:attrName>
+                                          <p:attrName>ppt_y</p:attrName>
+                                        </p:attrNameLst>
+                                      </p:cBhvr>
+                                    </p:animMotion>
+                                  </p:childTnLst>
+                                </p:cTn>
+                              </p:par>
+                            </p:childTnLst>
+                          </p:cTn>
+                        </p:par>
+                      </p:childTnLst>
+                    </p:cTn>
+                  </p:par>
                 </p:childTnLst>
               </p:cTn>
               <p:prevCondLst>
@@ -7976,6 +7777,253 @@
 </p:sld>
 </file>
 
+<file path=ppt/slides/slide11.xml><?xml version="1.0" encoding="utf-8"?>
+<p:sld xmlns:a="http://schemas.openxmlformats.org/drawingml/2006/main" xmlns:r="http://schemas.openxmlformats.org/officeDocument/2006/relationships" xmlns:p="http://schemas.openxmlformats.org/presentationml/2006/main">
+  <p:cSld>
+    <p:spTree>
+      <p:nvGrpSpPr>
+        <p:cNvPr id="1" name=""/>
+        <p:cNvGrpSpPr/>
+        <p:nvPr/>
+      </p:nvGrpSpPr>
+      <p:grpSpPr>
+        <a:xfrm>
+          <a:off x="0" y="0"/>
+          <a:ext cx="0" cy="0"/>
+          <a:chOff x="0" y="0"/>
+          <a:chExt cx="0" cy="0"/>
+        </a:xfrm>
+      </p:grpSpPr>
+      <p:sp>
+        <p:nvSpPr>
+          <p:cNvPr id="2" name="Title 1"/>
+          <p:cNvSpPr>
+            <a:spLocks noGrp="1"/>
+          </p:cNvSpPr>
+          <p:nvPr>
+            <p:ph type="title"/>
+          </p:nvPr>
+        </p:nvSpPr>
+        <p:spPr/>
+        <p:txBody>
+          <a:bodyPr/>
+          <a:lstStyle/>
+          <a:p>
+            <a:endParaRPr lang="en-GB" dirty="0"/>
+          </a:p>
+        </p:txBody>
+      </p:sp>
+      <p:sp>
+        <p:nvSpPr>
+          <p:cNvPr id="3" name="Content Placeholder 2"/>
+          <p:cNvSpPr>
+            <a:spLocks noGrp="1"/>
+          </p:cNvSpPr>
+          <p:nvPr>
+            <p:ph idx="1"/>
+          </p:nvPr>
+        </p:nvSpPr>
+        <p:spPr/>
+        <p:txBody>
+          <a:bodyPr/>
+          <a:lstStyle/>
+          <a:p>
+            <a:pPr marL="0" indent="0">
+              <a:buNone/>
+            </a:pPr>
+            <a:endParaRPr lang="en-GB" dirty="0"/>
+          </a:p>
+          <a:p>
+            <a:pPr marL="0" indent="0">
+              <a:buNone/>
+            </a:pPr>
+            <a:endParaRPr lang="en-GB" dirty="0" smtClean="0"/>
+          </a:p>
+          <a:p>
+            <a:pPr marL="0" indent="0">
+              <a:buNone/>
+            </a:pPr>
+            <a:r>
+              <a:rPr lang="en-GB" sz="2800" b="1" dirty="0" smtClean="0"/>
+              <a:t>Thank you everyone and have a great weekend!</a:t>
+            </a:r>
+            <a:endParaRPr lang="en-GB" sz="2800" b="1" dirty="0"/>
+          </a:p>
+        </p:txBody>
+      </p:sp>
+    </p:spTree>
+    <p:extLst>
+      <p:ext uri="{BB962C8B-B14F-4D97-AF65-F5344CB8AC3E}">
+        <p14:creationId xmlns:p14="http://schemas.microsoft.com/office/powerpoint/2010/main" val="4170614107"/>
+      </p:ext>
+    </p:extLst>
+  </p:cSld>
+  <p:clrMapOvr>
+    <a:masterClrMapping/>
+  </p:clrMapOvr>
+  <mc:AlternateContent xmlns:mc="http://schemas.openxmlformats.org/markup-compatibility/2006" xmlns:p14="http://schemas.microsoft.com/office/powerpoint/2010/main">
+    <mc:Choice Requires="p14">
+      <p:transition spd="med" p14:dur="700">
+        <p:fade/>
+      </p:transition>
+    </mc:Choice>
+    <mc:Fallback xmlns="">
+      <p:transition spd="med">
+        <p:fade/>
+      </p:transition>
+    </mc:Fallback>
+  </mc:AlternateContent>
+  <p:timing>
+    <p:tnLst>
+      <p:par>
+        <p:cTn id="1" dur="indefinite" restart="never" nodeType="tmRoot">
+          <p:childTnLst>
+            <p:seq concurrent="1" nextAc="seek">
+              <p:cTn id="2" dur="indefinite" nodeType="mainSeq">
+                <p:childTnLst>
+                  <p:par>
+                    <p:cTn id="3" fill="hold">
+                      <p:stCondLst>
+                        <p:cond delay="indefinite"/>
+                      </p:stCondLst>
+                      <p:childTnLst>
+                        <p:par>
+                          <p:cTn id="4" fill="hold">
+                            <p:stCondLst>
+                              <p:cond delay="0"/>
+                            </p:stCondLst>
+                            <p:childTnLst>
+                              <p:par>
+                                <p:cTn id="5" presetID="42" presetClass="entr" presetSubtype="0" fill="hold" grpId="0" nodeType="clickEffect">
+                                  <p:stCondLst>
+                                    <p:cond delay="0"/>
+                                  </p:stCondLst>
+                                  <p:childTnLst>
+                                    <p:set>
+                                      <p:cBhvr>
+                                        <p:cTn id="6" dur="1" fill="hold">
+                                          <p:stCondLst>
+                                            <p:cond delay="0"/>
+                                          </p:stCondLst>
+                                        </p:cTn>
+                                        <p:tgtEl>
+                                          <p:spTgt spid="3">
+                                            <p:txEl>
+                                              <p:pRg st="2" end="2"/>
+                                            </p:txEl>
+                                          </p:spTgt>
+                                        </p:tgtEl>
+                                        <p:attrNameLst>
+                                          <p:attrName>style.visibility</p:attrName>
+                                        </p:attrNameLst>
+                                      </p:cBhvr>
+                                      <p:to>
+                                        <p:strVal val="visible"/>
+                                      </p:to>
+                                    </p:set>
+                                    <p:animEffect transition="in" filter="fade">
+                                      <p:cBhvr>
+                                        <p:cTn id="7" dur="1000"/>
+                                        <p:tgtEl>
+                                          <p:spTgt spid="3">
+                                            <p:txEl>
+                                              <p:pRg st="2" end="2"/>
+                                            </p:txEl>
+                                          </p:spTgt>
+                                        </p:tgtEl>
+                                      </p:cBhvr>
+                                    </p:animEffect>
+                                    <p:anim calcmode="lin" valueType="num">
+                                      <p:cBhvr>
+                                        <p:cTn id="8" dur="1000" fill="hold"/>
+                                        <p:tgtEl>
+                                          <p:spTgt spid="3">
+                                            <p:txEl>
+                                              <p:pRg st="2" end="2"/>
+                                            </p:txEl>
+                                          </p:spTgt>
+                                        </p:tgtEl>
+                                        <p:attrNameLst>
+                                          <p:attrName>ppt_x</p:attrName>
+                                        </p:attrNameLst>
+                                      </p:cBhvr>
+                                      <p:tavLst>
+                                        <p:tav tm="0">
+                                          <p:val>
+                                            <p:strVal val="#ppt_x"/>
+                                          </p:val>
+                                        </p:tav>
+                                        <p:tav tm="100000">
+                                          <p:val>
+                                            <p:strVal val="#ppt_x"/>
+                                          </p:val>
+                                        </p:tav>
+                                      </p:tavLst>
+                                    </p:anim>
+                                    <p:anim calcmode="lin" valueType="num">
+                                      <p:cBhvr>
+                                        <p:cTn id="9" dur="1000" fill="hold"/>
+                                        <p:tgtEl>
+                                          <p:spTgt spid="3">
+                                            <p:txEl>
+                                              <p:pRg st="2" end="2"/>
+                                            </p:txEl>
+                                          </p:spTgt>
+                                        </p:tgtEl>
+                                        <p:attrNameLst>
+                                          <p:attrName>ppt_y</p:attrName>
+                                        </p:attrNameLst>
+                                      </p:cBhvr>
+                                      <p:tavLst>
+                                        <p:tav tm="0">
+                                          <p:val>
+                                            <p:strVal val="#ppt_y+.1"/>
+                                          </p:val>
+                                        </p:tav>
+                                        <p:tav tm="100000">
+                                          <p:val>
+                                            <p:strVal val="#ppt_y"/>
+                                          </p:val>
+                                        </p:tav>
+                                      </p:tavLst>
+                                    </p:anim>
+                                  </p:childTnLst>
+                                </p:cTn>
+                              </p:par>
+                            </p:childTnLst>
+                          </p:cTn>
+                        </p:par>
+                      </p:childTnLst>
+                    </p:cTn>
+                  </p:par>
+                </p:childTnLst>
+              </p:cTn>
+              <p:prevCondLst>
+                <p:cond evt="onPrev" delay="0">
+                  <p:tgtEl>
+                    <p:sldTgt/>
+                  </p:tgtEl>
+                </p:cond>
+              </p:prevCondLst>
+              <p:nextCondLst>
+                <p:cond evt="onNext" delay="0">
+                  <p:tgtEl>
+                    <p:sldTgt/>
+                  </p:tgtEl>
+                </p:cond>
+              </p:nextCondLst>
+            </p:seq>
+          </p:childTnLst>
+        </p:cTn>
+      </p:par>
+    </p:tnLst>
+    <p:bldLst>
+      <p:bldP spid="3" grpId="0" build="p"/>
+    </p:bldLst>
+  </p:timing>
+</p:sld>
+</file>
+
 <file path=ppt/slides/slide2.xml><?xml version="1.0" encoding="utf-8"?>
 <p:sld xmlns:a="http://schemas.openxmlformats.org/drawingml/2006/main" xmlns:r="http://schemas.openxmlformats.org/officeDocument/2006/relationships" xmlns:p="http://schemas.openxmlformats.org/presentationml/2006/main">
   <p:cSld>
@@ -8036,7 +8084,15 @@
             </a:pPr>
             <a:r>
               <a:rPr lang="en-GB" dirty="0" smtClean="0"/>
-              <a:t>The aim of the project is to build a Spotify clone. The Spotify clone consist of four pages which are Login page, Home page Album page, Artist page. Because we are team of four we divided this project in four places respectively. </a:t>
+              <a:t>The aim of the project is to build a Spotify clone. The Spotify clone consist of four pages which are Login page, Home </a:t>
+            </a:r>
+            <a:r>
+              <a:rPr lang="en-GB" smtClean="0"/>
+              <a:t>page, Album </a:t>
+            </a:r>
+            <a:r>
+              <a:rPr lang="en-GB" dirty="0" smtClean="0"/>
+              <a:t>page, Artist page. Because we are team of four we divided this project in four places respectively. </a:t>
             </a:r>
           </a:p>
         </p:txBody>
